--- a/Deep Learning Final Project/Poster/Poster_Kaur_Gaganpreet_Deep_Learning.pptx
+++ b/Deep Learning Final Project/Poster/Poster_Kaur_Gaganpreet_Deep_Learning.pptx
@@ -310,6 +310,11 @@
       </a:defRPr>
     </a:lvl9pPr>
   </p:defaultTextStyle>
+  <p:extLst>
+    <p:ext uri="{EFAFB233-063F-42B5-8137-9DF3F51BA10A}">
+      <p15:sldGuideLst xmlns:p15="http://schemas.microsoft.com/office/powerpoint/2012/main"/>
+    </p:ext>
+  </p:extLst>
 </p:presentation>
 </file>
 
@@ -740,7 +745,7 @@
           </a:ln>
           <a:extLst>
             <a:ext uri="{C572A759-6A51-4108-AA02-DFA0A04FC94B}">
-              <ma14:wrappingTextBoxFlag xmlns:ma14="http://schemas.microsoft.com/office/mac/drawingml/2011/main" xmlns:a14="http://schemas.microsoft.com/office/drawing/2010/main" xmlns:m="http://schemas.openxmlformats.org/officeDocument/2006/math" xmlns="" val="1"/>
+              <ma14:wrappingTextBoxFlag xmlns="" xmlns:m="http://schemas.openxmlformats.org/officeDocument/2006/math" xmlns:a14="http://schemas.microsoft.com/office/drawing/2010/main" xmlns:ma14="http://schemas.microsoft.com/office/mac/drawingml/2011/main" val="1"/>
             </a:ext>
           </a:extLst>
         </p:spPr>
@@ -779,7 +784,7 @@
           </a:ln>
           <a:extLst>
             <a:ext uri="{C572A759-6A51-4108-AA02-DFA0A04FC94B}">
-              <ma14:wrappingTextBoxFlag xmlns:ma14="http://schemas.microsoft.com/office/mac/drawingml/2011/main" xmlns:a14="http://schemas.microsoft.com/office/drawing/2010/main" xmlns:m="http://schemas.openxmlformats.org/officeDocument/2006/math" xmlns="" val="1"/>
+              <ma14:wrappingTextBoxFlag xmlns="" xmlns:m="http://schemas.openxmlformats.org/officeDocument/2006/math" xmlns:a14="http://schemas.microsoft.com/office/drawing/2010/main" xmlns:ma14="http://schemas.microsoft.com/office/mac/drawingml/2011/main" val="1"/>
             </a:ext>
           </a:extLst>
         </p:spPr>
@@ -1618,7 +1623,7 @@
           </a:ln>
           <a:extLst>
             <a:ext uri="{C572A759-6A51-4108-AA02-DFA0A04FC94B}">
-              <ma14:wrappingTextBoxFlag xmlns:ma14="http://schemas.microsoft.com/office/mac/drawingml/2011/main" xmlns:a14="http://schemas.microsoft.com/office/drawing/2010/main" xmlns:m="http://schemas.openxmlformats.org/officeDocument/2006/math" xmlns="" val="1"/>
+              <ma14:wrappingTextBoxFlag xmlns="" xmlns:m="http://schemas.openxmlformats.org/officeDocument/2006/math" xmlns:a14="http://schemas.microsoft.com/office/drawing/2010/main" xmlns:ma14="http://schemas.microsoft.com/office/mac/drawingml/2011/main" val="1"/>
             </a:ext>
           </a:extLst>
         </p:spPr>
@@ -1666,7 +1671,7 @@
           </a:ln>
           <a:extLst>
             <a:ext uri="{C572A759-6A51-4108-AA02-DFA0A04FC94B}">
-              <ma14:wrappingTextBoxFlag xmlns:ma14="http://schemas.microsoft.com/office/mac/drawingml/2011/main" xmlns:a14="http://schemas.microsoft.com/office/drawing/2010/main" xmlns:m="http://schemas.openxmlformats.org/officeDocument/2006/math" xmlns="" val="1"/>
+              <ma14:wrappingTextBoxFlag xmlns="" xmlns:m="http://schemas.openxmlformats.org/officeDocument/2006/math" xmlns:a14="http://schemas.microsoft.com/office/drawing/2010/main" xmlns:ma14="http://schemas.microsoft.com/office/mac/drawingml/2011/main" val="1"/>
             </a:ext>
           </a:extLst>
         </p:spPr>
@@ -1737,7 +1742,7 @@
           </a:ln>
           <a:extLst>
             <a:ext uri="{C572A759-6A51-4108-AA02-DFA0A04FC94B}">
-              <ma14:wrappingTextBoxFlag xmlns:ma14="http://schemas.microsoft.com/office/mac/drawingml/2011/main" xmlns:a14="http://schemas.microsoft.com/office/drawing/2010/main" xmlns:m="http://schemas.openxmlformats.org/officeDocument/2006/math" xmlns="" val="1"/>
+              <ma14:wrappingTextBoxFlag xmlns="" xmlns:m="http://schemas.openxmlformats.org/officeDocument/2006/math" xmlns:a14="http://schemas.microsoft.com/office/drawing/2010/main" xmlns:ma14="http://schemas.microsoft.com/office/mac/drawingml/2011/main" val="1"/>
             </a:ext>
           </a:extLst>
         </p:spPr>
@@ -1819,7 +1824,7 @@
           </a:ln>
           <a:extLst>
             <a:ext uri="{C572A759-6A51-4108-AA02-DFA0A04FC94B}">
-              <ma14:wrappingTextBoxFlag xmlns:ma14="http://schemas.microsoft.com/office/mac/drawingml/2011/main" xmlns:a14="http://schemas.microsoft.com/office/drawing/2010/main" xmlns:m="http://schemas.openxmlformats.org/officeDocument/2006/math" xmlns="" val="1"/>
+              <ma14:wrappingTextBoxFlag xmlns="" xmlns:m="http://schemas.openxmlformats.org/officeDocument/2006/math" xmlns:a14="http://schemas.microsoft.com/office/drawing/2010/main" xmlns:ma14="http://schemas.microsoft.com/office/mac/drawingml/2011/main" val="1"/>
             </a:ext>
           </a:extLst>
         </p:spPr>
@@ -1858,7 +1863,7 @@
           </a:ln>
           <a:extLst>
             <a:ext uri="{C572A759-6A51-4108-AA02-DFA0A04FC94B}">
-              <ma14:wrappingTextBoxFlag xmlns:ma14="http://schemas.microsoft.com/office/mac/drawingml/2011/main" xmlns:a14="http://schemas.microsoft.com/office/drawing/2010/main" xmlns:m="http://schemas.openxmlformats.org/officeDocument/2006/math" xmlns="" val="1"/>
+              <ma14:wrappingTextBoxFlag xmlns="" xmlns:m="http://schemas.openxmlformats.org/officeDocument/2006/math" xmlns:a14="http://schemas.microsoft.com/office/drawing/2010/main" xmlns:ma14="http://schemas.microsoft.com/office/mac/drawingml/2011/main" val="1"/>
             </a:ext>
           </a:extLst>
         </p:spPr>
@@ -2007,7 +2012,7 @@
           </a:ln>
           <a:extLst>
             <a:ext uri="{C572A759-6A51-4108-AA02-DFA0A04FC94B}">
-              <ma14:wrappingTextBoxFlag xmlns:ma14="http://schemas.microsoft.com/office/mac/drawingml/2011/main" xmlns:a14="http://schemas.microsoft.com/office/drawing/2010/main" xmlns:m="http://schemas.openxmlformats.org/officeDocument/2006/math" xmlns="" val="1"/>
+              <ma14:wrappingTextBoxFlag xmlns="" xmlns:m="http://schemas.openxmlformats.org/officeDocument/2006/math" xmlns:a14="http://schemas.microsoft.com/office/drawing/2010/main" xmlns:ma14="http://schemas.microsoft.com/office/mac/drawingml/2011/main" val="1"/>
             </a:ext>
           </a:extLst>
         </p:spPr>
@@ -2051,7 +2056,7 @@
           </a:ln>
           <a:extLst>
             <a:ext uri="{C572A759-6A51-4108-AA02-DFA0A04FC94B}">
-              <ma14:wrappingTextBoxFlag xmlns:ma14="http://schemas.microsoft.com/office/mac/drawingml/2011/main" xmlns:a14="http://schemas.microsoft.com/office/drawing/2010/main" xmlns:m="http://schemas.openxmlformats.org/officeDocument/2006/math" xmlns="" val="1"/>
+              <ma14:wrappingTextBoxFlag xmlns="" xmlns:m="http://schemas.openxmlformats.org/officeDocument/2006/math" xmlns:a14="http://schemas.microsoft.com/office/drawing/2010/main" xmlns:ma14="http://schemas.microsoft.com/office/mac/drawingml/2011/main" val="1"/>
             </a:ext>
           </a:extLst>
         </p:spPr>
@@ -2158,7 +2163,7 @@
             <a:effectLst/>
             <a:extLst>
               <a:ext uri="{C572A759-6A51-4108-AA02-DFA0A04FC94B}">
-                <ma14:wrappingTextBoxFlag xmlns:ma14="http://schemas.microsoft.com/office/mac/drawingml/2011/main" xmlns:a14="http://schemas.microsoft.com/office/drawing/2010/main" xmlns:m="http://schemas.openxmlformats.org/officeDocument/2006/math" xmlns="" val="1"/>
+                <ma14:wrappingTextBoxFlag xmlns="" xmlns:m="http://schemas.openxmlformats.org/officeDocument/2006/math" xmlns:a14="http://schemas.microsoft.com/office/drawing/2010/main" xmlns:ma14="http://schemas.microsoft.com/office/mac/drawingml/2011/main" val="1"/>
               </a:ext>
             </a:extLst>
           </p:spPr>
@@ -2262,7 +2267,7 @@
             <a:effectLst/>
             <a:extLst>
               <a:ext uri="{C572A759-6A51-4108-AA02-DFA0A04FC94B}">
-                <ma14:wrappingTextBoxFlag xmlns:ma14="http://schemas.microsoft.com/office/mac/drawingml/2011/main" xmlns:a14="http://schemas.microsoft.com/office/drawing/2010/main" xmlns:m="http://schemas.openxmlformats.org/officeDocument/2006/math" xmlns="" val="1"/>
+                <ma14:wrappingTextBoxFlag xmlns="" xmlns:m="http://schemas.openxmlformats.org/officeDocument/2006/math" xmlns:a14="http://schemas.microsoft.com/office/drawing/2010/main" xmlns:ma14="http://schemas.microsoft.com/office/mac/drawingml/2011/main" val="1"/>
               </a:ext>
             </a:extLst>
           </p:spPr>
@@ -2311,7 +2316,7 @@
           </a:ln>
           <a:extLst>
             <a:ext uri="{C572A759-6A51-4108-AA02-DFA0A04FC94B}">
-              <ma14:wrappingTextBoxFlag xmlns:ma14="http://schemas.microsoft.com/office/mac/drawingml/2011/main" xmlns:a14="http://schemas.microsoft.com/office/drawing/2010/main" xmlns:m="http://schemas.openxmlformats.org/officeDocument/2006/math" xmlns="" val="1"/>
+              <ma14:wrappingTextBoxFlag xmlns="" xmlns:m="http://schemas.openxmlformats.org/officeDocument/2006/math" xmlns:a14="http://schemas.microsoft.com/office/drawing/2010/main" xmlns:ma14="http://schemas.microsoft.com/office/mac/drawingml/2011/main" val="1"/>
             </a:ext>
           </a:extLst>
         </p:spPr>
@@ -2750,7 +2755,7 @@
             <a:effectLst/>
             <a:extLst>
               <a:ext uri="{C572A759-6A51-4108-AA02-DFA0A04FC94B}">
-                <ma14:wrappingTextBoxFlag xmlns:ma14="http://schemas.microsoft.com/office/mac/drawingml/2011/main" xmlns:a14="http://schemas.microsoft.com/office/drawing/2010/main" xmlns:m="http://schemas.openxmlformats.org/officeDocument/2006/math" xmlns="" val="1"/>
+                <ma14:wrappingTextBoxFlag xmlns="" xmlns:m="http://schemas.openxmlformats.org/officeDocument/2006/math" xmlns:a14="http://schemas.microsoft.com/office/drawing/2010/main" xmlns:ma14="http://schemas.microsoft.com/office/mac/drawingml/2011/main" val="1"/>
               </a:ext>
             </a:extLst>
           </p:spPr>
@@ -2799,7 +2804,7 @@
           </a:ln>
           <a:extLst>
             <a:ext uri="{C572A759-6A51-4108-AA02-DFA0A04FC94B}">
-              <ma14:wrappingTextBoxFlag xmlns:ma14="http://schemas.microsoft.com/office/mac/drawingml/2011/main" xmlns:a14="http://schemas.microsoft.com/office/drawing/2010/main" xmlns:m="http://schemas.openxmlformats.org/officeDocument/2006/math" xmlns="" val="1"/>
+              <ma14:wrappingTextBoxFlag xmlns="" xmlns:m="http://schemas.openxmlformats.org/officeDocument/2006/math" xmlns:a14="http://schemas.microsoft.com/office/drawing/2010/main" xmlns:ma14="http://schemas.microsoft.com/office/mac/drawingml/2011/main" val="1"/>
             </a:ext>
           </a:extLst>
         </p:spPr>
@@ -2903,7 +2908,7 @@
             <a:effectLst/>
             <a:extLst>
               <a:ext uri="{C572A759-6A51-4108-AA02-DFA0A04FC94B}">
-                <ma14:wrappingTextBoxFlag xmlns:ma14="http://schemas.microsoft.com/office/mac/drawingml/2011/main" xmlns:a14="http://schemas.microsoft.com/office/drawing/2010/main" xmlns:m="http://schemas.openxmlformats.org/officeDocument/2006/math" xmlns="" val="1"/>
+                <ma14:wrappingTextBoxFlag xmlns="" xmlns:m="http://schemas.openxmlformats.org/officeDocument/2006/math" xmlns:a14="http://schemas.microsoft.com/office/drawing/2010/main" xmlns:ma14="http://schemas.microsoft.com/office/mac/drawingml/2011/main" val="1"/>
               </a:ext>
             </a:extLst>
           </p:spPr>
@@ -2952,7 +2957,7 @@
           </a:ln>
           <a:extLst>
             <a:ext uri="{C572A759-6A51-4108-AA02-DFA0A04FC94B}">
-              <ma14:wrappingTextBoxFlag xmlns:ma14="http://schemas.microsoft.com/office/mac/drawingml/2011/main" xmlns:a14="http://schemas.microsoft.com/office/drawing/2010/main" xmlns:m="http://schemas.openxmlformats.org/officeDocument/2006/math" xmlns="" val="1"/>
+              <ma14:wrappingTextBoxFlag xmlns="" xmlns:m="http://schemas.openxmlformats.org/officeDocument/2006/math" xmlns:a14="http://schemas.microsoft.com/office/drawing/2010/main" xmlns:ma14="http://schemas.microsoft.com/office/mac/drawingml/2011/main" val="1"/>
             </a:ext>
           </a:extLst>
         </p:spPr>
@@ -3084,7 +3089,7 @@
             <a:effectLst/>
             <a:extLst>
               <a:ext uri="{C572A759-6A51-4108-AA02-DFA0A04FC94B}">
-                <ma14:wrappingTextBoxFlag xmlns:ma14="http://schemas.microsoft.com/office/mac/drawingml/2011/main" xmlns:a14="http://schemas.microsoft.com/office/drawing/2010/main" xmlns:m="http://schemas.openxmlformats.org/officeDocument/2006/math" xmlns="" val="1"/>
+                <ma14:wrappingTextBoxFlag xmlns="" xmlns:m="http://schemas.openxmlformats.org/officeDocument/2006/math" xmlns:a14="http://schemas.microsoft.com/office/drawing/2010/main" xmlns:ma14="http://schemas.microsoft.com/office/mac/drawingml/2011/main" val="1"/>
               </a:ext>
             </a:extLst>
           </p:spPr>
@@ -3172,7 +3177,7 @@
         <p:spPr>
           <a:xfrm>
             <a:off x="15509239" y="27757735"/>
-            <a:ext cx="13167361" cy="878841"/>
+            <a:ext cx="13167361" cy="892552"/>
           </a:xfrm>
           <a:prstGeom prst="rect">
             <a:avLst/>
@@ -3185,7 +3190,7 @@
           </a:ln>
           <a:extLst>
             <a:ext uri="{C572A759-6A51-4108-AA02-DFA0A04FC94B}">
-              <ma14:wrappingTextBoxFlag xmlns:ma14="http://schemas.microsoft.com/office/mac/drawingml/2011/main" xmlns:a14="http://schemas.microsoft.com/office/drawing/2010/main" xmlns:m="http://schemas.openxmlformats.org/officeDocument/2006/math" xmlns="" val="1"/>
+              <ma14:wrappingTextBoxFlag xmlns="" xmlns:m="http://schemas.openxmlformats.org/officeDocument/2006/math" xmlns:a14="http://schemas.microsoft.com/office/drawing/2010/main" xmlns:ma14="http://schemas.microsoft.com/office/mac/drawingml/2011/main" val="1"/>
             </a:ext>
           </a:extLst>
         </p:spPr>
@@ -3207,6 +3212,7 @@
               </a:defRPr>
             </a:pPr>
             <a:r>
+              <a:rPr dirty="0"/>
               <a:t>For more detail about this project and source code, </a:t>
             </a:r>
           </a:p>
@@ -3223,8 +3229,22 @@
               </a:defRPr>
             </a:pPr>
             <a:r>
-              <a:t>please visit https://github.com/KellyK81/data-mining</a:t>
+              <a:rPr dirty="0"/>
+              <a:t>please visit https://</a:t>
             </a:r>
+            <a:r>
+              <a:rPr dirty="0" err="1"/>
+              <a:t>github.com</a:t>
+            </a:r>
+            <a:r>
+              <a:rPr dirty="0"/>
+              <a:t>/KellyK81/d</a:t>
+            </a:r>
+            <a:r>
+              <a:rPr lang="en-US" dirty="0"/>
+              <a:t>eep-learning</a:t>
+            </a:r>
+            <a:endParaRPr dirty="0"/>
           </a:p>
         </p:txBody>
       </p:sp>
@@ -3280,7 +3300,7 @@
           </a:ln>
           <a:extLst>
             <a:ext uri="{C572A759-6A51-4108-AA02-DFA0A04FC94B}">
-              <ma14:wrappingTextBoxFlag xmlns:ma14="http://schemas.microsoft.com/office/mac/drawingml/2011/main" xmlns:a14="http://schemas.microsoft.com/office/drawing/2010/main" xmlns:m="http://schemas.openxmlformats.org/officeDocument/2006/math" xmlns="" val="1"/>
+              <ma14:wrappingTextBoxFlag xmlns="" xmlns:m="http://schemas.openxmlformats.org/officeDocument/2006/math" xmlns:a14="http://schemas.microsoft.com/office/drawing/2010/main" xmlns:ma14="http://schemas.microsoft.com/office/mac/drawingml/2011/main" val="1"/>
             </a:ext>
           </a:extLst>
         </p:spPr>
